--- a/3年後期/企画/ゲーム企画書5_提出 .pptx
+++ b/3年後期/企画/ゲーム企画書5_提出 .pptx
@@ -5,22 +5,23 @@
     <p:sldMasterId id="2147483659" r:id="rId1"/>
   </p:sldMasterIdLst>
   <p:notesMasterIdLst>
-    <p:notesMasterId r:id="rId15"/>
+    <p:notesMasterId r:id="rId16"/>
   </p:notesMasterIdLst>
   <p:sldIdLst>
     <p:sldId id="256" r:id="rId2"/>
     <p:sldId id="257" r:id="rId3"/>
-    <p:sldId id="258" r:id="rId4"/>
-    <p:sldId id="259" r:id="rId5"/>
-    <p:sldId id="264" r:id="rId6"/>
-    <p:sldId id="267" r:id="rId7"/>
-    <p:sldId id="260" r:id="rId8"/>
-    <p:sldId id="269" r:id="rId9"/>
-    <p:sldId id="273" r:id="rId10"/>
+    <p:sldId id="274" r:id="rId4"/>
+    <p:sldId id="258" r:id="rId5"/>
+    <p:sldId id="259" r:id="rId6"/>
+    <p:sldId id="264" r:id="rId7"/>
+    <p:sldId id="267" r:id="rId8"/>
+    <p:sldId id="260" r:id="rId9"/>
+    <p:sldId id="275" r:id="rId10"/>
     <p:sldId id="272" r:id="rId11"/>
     <p:sldId id="261" r:id="rId12"/>
-    <p:sldId id="270" r:id="rId13"/>
-    <p:sldId id="271" r:id="rId14"/>
+    <p:sldId id="276" r:id="rId13"/>
+    <p:sldId id="270" r:id="rId14"/>
+    <p:sldId id="271" r:id="rId15"/>
   </p:sldIdLst>
   <p:sldSz cx="12192000" cy="6858000"/>
   <p:notesSz cx="6858000" cy="9144000"/>
@@ -15176,7 +15177,7 @@
 </file>
 
 <file path=ppt/slides/slide10.xml><?xml version="1.0" encoding="utf-8"?>
-<p:sld xmlns:a="http://schemas.openxmlformats.org/drawingml/2006/main" xmlns:r="http://schemas.openxmlformats.org/officeDocument/2006/relationships" xmlns:p="http://schemas.openxmlformats.org/presentationml/2006/main">
+<p:sld xmlns:a="http://schemas.openxmlformats.org/drawingml/2006/main" xmlns:r="http://schemas.openxmlformats.org/officeDocument/2006/relationships" xmlns:p="http://schemas.openxmlformats.org/presentationml/2006/main" show="0">
   <p:cSld>
     <p:spTree>
       <p:nvGrpSpPr>
@@ -15583,6 +15584,388 @@
           <p:cNvPr id="2" name="タイトル 1">
             <a:extLst>
               <a:ext uri="{FF2B5EF4-FFF2-40B4-BE49-F238E27FC236}">
+                <a16:creationId xmlns:a16="http://schemas.microsoft.com/office/drawing/2014/main" id="{00D0C726-37F9-477F-AC51-03861D17D1BF}"/>
+              </a:ext>
+            </a:extLst>
+          </p:cNvPr>
+          <p:cNvSpPr>
+            <a:spLocks noGrp="1"/>
+          </p:cNvSpPr>
+          <p:nvPr>
+            <p:ph type="title"/>
+          </p:nvPr>
+        </p:nvSpPr>
+        <p:spPr/>
+        <p:txBody>
+          <a:bodyPr/>
+          <a:lstStyle/>
+          <a:p>
+            <a:r>
+              <a:rPr kumimoji="1" lang="en-US" altLang="ja-JP" dirty="0"/>
+              <a:t>α</a:t>
+            </a:r>
+            <a:r>
+              <a:rPr kumimoji="1" lang="ja-JP" altLang="en-US" dirty="0"/>
+              <a:t>版の必須実装項目</a:t>
+            </a:r>
+          </a:p>
+        </p:txBody>
+      </p:sp>
+      <p:sp>
+        <p:nvSpPr>
+          <p:cNvPr id="3" name="テキスト プレースホルダー 2">
+            <a:extLst>
+              <a:ext uri="{FF2B5EF4-FFF2-40B4-BE49-F238E27FC236}">
+                <a16:creationId xmlns:a16="http://schemas.microsoft.com/office/drawing/2014/main" id="{3EEEF50E-0DCE-4A33-B9E1-AD8A13EE84F6}"/>
+              </a:ext>
+            </a:extLst>
+          </p:cNvPr>
+          <p:cNvSpPr>
+            <a:spLocks noGrp="1"/>
+          </p:cNvSpPr>
+          <p:nvPr>
+            <p:ph type="body" idx="1"/>
+          </p:nvPr>
+        </p:nvSpPr>
+        <p:spPr>
+          <a:xfrm>
+            <a:off x="838200" y="1368425"/>
+            <a:ext cx="10515600" cy="5041706"/>
+          </a:xfrm>
+        </p:spPr>
+        <p:txBody>
+          <a:bodyPr>
+            <a:normAutofit fontScale="70000" lnSpcReduction="20000"/>
+          </a:bodyPr>
+          <a:lstStyle/>
+          <a:p>
+            <a:r>
+              <a:rPr lang="ja-JP" altLang="en-US" b="1" dirty="0"/>
+              <a:t>基本操作とアクションの完成</a:t>
+            </a:r>
+            <a:r>
+              <a:rPr lang="en-US" altLang="ja-JP" b="1" dirty="0"/>
+              <a:t>:</a:t>
+            </a:r>
+            <a:endParaRPr lang="ja-JP" altLang="en-US" dirty="0"/>
+          </a:p>
+          <a:p>
+            <a:pPr lvl="1"/>
+            <a:r>
+              <a:rPr lang="en-US" altLang="ja-JP" dirty="0"/>
+              <a:t>WASD</a:t>
+            </a:r>
+            <a:r>
+              <a:rPr lang="ja-JP" altLang="en-US" dirty="0"/>
+              <a:t>移動、ジャンプ、ダッシュ、回避、</a:t>
+            </a:r>
+            <a:r>
+              <a:rPr lang="ja-JP" altLang="en-US" b="1" dirty="0"/>
+              <a:t>左クリック（無属性）</a:t>
+            </a:r>
+            <a:r>
+              <a:rPr lang="ja-JP" altLang="en-US" dirty="0"/>
+              <a:t>、</a:t>
+            </a:r>
+            <a:r>
+              <a:rPr lang="ja-JP" altLang="en-US" b="1" dirty="0"/>
+              <a:t>右クリック（属性攻撃）</a:t>
+            </a:r>
+            <a:r>
+              <a:rPr lang="ja-JP" altLang="en-US" dirty="0"/>
+              <a:t>。</a:t>
+            </a:r>
+          </a:p>
+          <a:p>
+            <a:pPr lvl="1"/>
+            <a:r>
+              <a:rPr lang="ja-JP" altLang="en-US" dirty="0"/>
+              <a:t>回復ポーション（</a:t>
+            </a:r>
+            <a:r>
+              <a:rPr lang="en-US" altLang="ja-JP" dirty="0"/>
+              <a:t>Q</a:t>
+            </a:r>
+            <a:r>
+              <a:rPr lang="ja-JP" altLang="en-US" dirty="0"/>
+              <a:t>キー）の</a:t>
+            </a:r>
+            <a:r>
+              <a:rPr lang="en-US" altLang="ja-JP" dirty="0"/>
+              <a:t>UI</a:t>
+            </a:r>
+            <a:r>
+              <a:rPr lang="ja-JP" altLang="en-US" dirty="0"/>
+              <a:t>と機能。</a:t>
+            </a:r>
+          </a:p>
+          <a:p>
+            <a:r>
+              <a:rPr lang="ja-JP" altLang="en-US" b="1" dirty="0"/>
+              <a:t>属性システムのコア</a:t>
+            </a:r>
+            <a:r>
+              <a:rPr lang="en-US" altLang="ja-JP" b="1" dirty="0"/>
+              <a:t>:</a:t>
+            </a:r>
+            <a:endParaRPr lang="ja-JP" altLang="en-US" dirty="0"/>
+          </a:p>
+          <a:p>
+            <a:pPr lvl="1"/>
+            <a:r>
+              <a:rPr lang="ja-JP" altLang="en-US" dirty="0"/>
+              <a:t>**</a:t>
+            </a:r>
+            <a:r>
+              <a:rPr lang="en-US" altLang="ja-JP" dirty="0"/>
+              <a:t>3</a:t>
+            </a:r>
+            <a:r>
+              <a:rPr lang="ja-JP" altLang="en-US" dirty="0"/>
+              <a:t>コア属性（炎、水、雷）**の付与、消費（</a:t>
+            </a:r>
+            <a:r>
+              <a:rPr lang="en-US" altLang="ja-JP" dirty="0"/>
+              <a:t>5</a:t>
+            </a:r>
+            <a:r>
+              <a:rPr lang="ja-JP" altLang="en-US" dirty="0"/>
+              <a:t>スロット）、上書き、切り替え（</a:t>
+            </a:r>
+            <a:r>
+              <a:rPr lang="en-US" altLang="ja-JP" dirty="0"/>
+              <a:t>Tab/</a:t>
+            </a:r>
+            <a:r>
+              <a:rPr lang="ja-JP" altLang="en-US" dirty="0"/>
+              <a:t>ホイール）のロジック。</a:t>
+            </a:r>
+          </a:p>
+          <a:p>
+            <a:r>
+              <a:rPr lang="ja-JP" altLang="en-US" b="1" dirty="0"/>
+              <a:t>ランダム生成の基礎</a:t>
+            </a:r>
+            <a:r>
+              <a:rPr lang="en-US" altLang="ja-JP" b="1" dirty="0"/>
+              <a:t>:</a:t>
+            </a:r>
+            <a:endParaRPr lang="ja-JP" altLang="en-US" dirty="0"/>
+          </a:p>
+          <a:p>
+            <a:pPr lvl="1"/>
+            <a:r>
+              <a:rPr lang="ja-JP" altLang="en-US" b="1" dirty="0"/>
+              <a:t>通路と部屋の接続</a:t>
+            </a:r>
+            <a:r>
+              <a:rPr lang="ja-JP" altLang="en-US" dirty="0"/>
+              <a:t>（</a:t>
+            </a:r>
+            <a:r>
+              <a:rPr lang="en-US" altLang="ja-JP" dirty="0" err="1"/>
+              <a:t>Qiita</a:t>
+            </a:r>
+            <a:r>
+              <a:rPr lang="ja-JP" altLang="en-US" dirty="0"/>
+              <a:t>記事を参考に）。</a:t>
+            </a:r>
+          </a:p>
+          <a:p>
+            <a:pPr lvl="1"/>
+            <a:r>
+              <a:rPr lang="ja-JP" altLang="en-US" dirty="0"/>
+              <a:t>全ての部屋に、</a:t>
+            </a:r>
+            <a:r>
+              <a:rPr lang="ja-JP" altLang="en-US" b="1" dirty="0"/>
+              <a:t>必ず出口と属性源が配置される</a:t>
+            </a:r>
+            <a:r>
+              <a:rPr lang="ja-JP" altLang="en-US" dirty="0"/>
+              <a:t>保証ロジック。</a:t>
+            </a:r>
+          </a:p>
+          <a:p>
+            <a:r>
+              <a:rPr lang="ja-JP" altLang="en-US" b="1" dirty="0"/>
+              <a:t>コアギミックと敵</a:t>
+            </a:r>
+            <a:r>
+              <a:rPr lang="en-US" altLang="ja-JP" b="1" dirty="0"/>
+              <a:t>:</a:t>
+            </a:r>
+            <a:endParaRPr lang="ja-JP" altLang="en-US" dirty="0"/>
+          </a:p>
+          <a:p>
+            <a:pPr lvl="1"/>
+            <a:r>
+              <a:rPr lang="ja-JP" altLang="en-US" b="1" dirty="0"/>
+              <a:t>各属性に対応する必須ギミック</a:t>
+            </a:r>
+            <a:r>
+              <a:rPr lang="ja-JP" altLang="en-US" dirty="0"/>
+              <a:t>を</a:t>
+            </a:r>
+            <a:r>
+              <a:rPr lang="en-US" altLang="ja-JP" dirty="0"/>
+              <a:t>1</a:t>
+            </a:r>
+            <a:r>
+              <a:rPr lang="ja-JP" altLang="en-US" dirty="0"/>
+              <a:t>種類ずつ（例：炎で溶かす壁、雷で起動する扉）。</a:t>
+            </a:r>
+          </a:p>
+          <a:p>
+            <a:pPr lvl="1"/>
+            <a:r>
+              <a:rPr lang="ja-JP" altLang="en-US" b="1" dirty="0"/>
+              <a:t>最も基本的な雑魚敵</a:t>
+            </a:r>
+            <a:r>
+              <a:rPr lang="ja-JP" altLang="en-US" dirty="0"/>
+              <a:t>を</a:t>
+            </a:r>
+            <a:r>
+              <a:rPr lang="en-US" altLang="ja-JP" dirty="0"/>
+              <a:t>1</a:t>
+            </a:r>
+            <a:r>
+              <a:rPr lang="ja-JP" altLang="en-US" dirty="0"/>
+              <a:t>～</a:t>
+            </a:r>
+            <a:r>
+              <a:rPr lang="en-US" altLang="ja-JP" dirty="0"/>
+              <a:t>2</a:t>
+            </a:r>
+            <a:r>
+              <a:rPr lang="ja-JP" altLang="en-US" dirty="0"/>
+              <a:t>種類、部屋制で湧かせる。</a:t>
+            </a:r>
+          </a:p>
+          <a:p>
+            <a:r>
+              <a:rPr lang="ja-JP" altLang="en-US" b="1" dirty="0"/>
+              <a:t>最低限の</a:t>
+            </a:r>
+            <a:r>
+              <a:rPr lang="en-US" altLang="ja-JP" b="1" dirty="0"/>
+              <a:t>UI:</a:t>
+            </a:r>
+            <a:endParaRPr lang="ja-JP" altLang="en-US" dirty="0"/>
+          </a:p>
+          <a:p>
+            <a:pPr lvl="1"/>
+            <a:r>
+              <a:rPr lang="en-US" altLang="ja-JP" dirty="0"/>
+              <a:t>HP</a:t>
+            </a:r>
+            <a:r>
+              <a:rPr lang="ja-JP" altLang="en-US" dirty="0"/>
+              <a:t>バー、</a:t>
+            </a:r>
+            <a:r>
+              <a:rPr lang="en-US" altLang="ja-JP" b="1" dirty="0"/>
+              <a:t>5</a:t>
+            </a:r>
+            <a:r>
+              <a:rPr lang="ja-JP" altLang="en-US" b="1" dirty="0" err="1"/>
+              <a:t>つの</a:t>
+            </a:r>
+            <a:r>
+              <a:rPr lang="ja-JP" altLang="en-US" b="1" dirty="0"/>
+              <a:t>属性スロット</a:t>
+            </a:r>
+            <a:r>
+              <a:rPr lang="ja-JP" altLang="en-US" dirty="0"/>
+              <a:t>、ポーション（</a:t>
+            </a:r>
+            <a:r>
+              <a:rPr lang="en-US" altLang="ja-JP" dirty="0"/>
+              <a:t>Q</a:t>
+            </a:r>
+            <a:r>
+              <a:rPr lang="ja-JP" altLang="en-US" dirty="0"/>
+              <a:t>キー）の</a:t>
+            </a:r>
+            <a:r>
+              <a:rPr lang="en-US" altLang="ja-JP" dirty="0"/>
+              <a:t>UI</a:t>
+            </a:r>
+            <a:r>
+              <a:rPr lang="ja-JP" altLang="en-US" dirty="0" err="1"/>
+              <a:t>。</a:t>
+            </a:r>
+            <a:endParaRPr lang="ja-JP" altLang="en-US" dirty="0"/>
+          </a:p>
+          <a:p>
+            <a:r>
+              <a:rPr lang="en-US" altLang="ja-JP" b="1" dirty="0"/>
+              <a:t>α</a:t>
+            </a:r>
+            <a:r>
+              <a:rPr lang="ja-JP" altLang="en-US" b="1" dirty="0"/>
+              <a:t>版の目標</a:t>
+            </a:r>
+          </a:p>
+          <a:p>
+            <a:r>
+              <a:rPr lang="ja-JP" altLang="en-US" b="1" dirty="0"/>
+              <a:t>「</a:t>
+            </a:r>
+            <a:r>
+              <a:rPr lang="en-US" altLang="ja-JP" b="1" dirty="0"/>
+              <a:t>1</a:t>
+            </a:r>
+            <a:r>
+              <a:rPr lang="ja-JP" altLang="en-US" b="1" dirty="0"/>
+              <a:t>フロアクリア」までのループが破綻せず、遊んでいて楽しいと感じられること。</a:t>
+            </a:r>
+            <a:endParaRPr lang="ja-JP" altLang="en-US" dirty="0"/>
+          </a:p>
+          <a:p>
+            <a:pPr marL="114300" indent="0">
+              <a:buNone/>
+            </a:pPr>
+            <a:endParaRPr kumimoji="1" lang="ja-JP" altLang="en-US" dirty="0"/>
+          </a:p>
+        </p:txBody>
+      </p:sp>
+    </p:spTree>
+    <p:extLst>
+      <p:ext uri="{BB962C8B-B14F-4D97-AF65-F5344CB8AC3E}">
+        <p14:creationId xmlns:p14="http://schemas.microsoft.com/office/powerpoint/2010/main" val="3704993869"/>
+      </p:ext>
+    </p:extLst>
+  </p:cSld>
+  <p:clrMapOvr>
+    <a:masterClrMapping/>
+  </p:clrMapOvr>
+</p:sld>
+</file>
+
+<file path=ppt/slides/slide13.xml><?xml version="1.0" encoding="utf-8"?>
+<p:sld xmlns:a="http://schemas.openxmlformats.org/drawingml/2006/main" xmlns:r="http://schemas.openxmlformats.org/officeDocument/2006/relationships" xmlns:p="http://schemas.openxmlformats.org/presentationml/2006/main">
+  <p:cSld>
+    <p:spTree>
+      <p:nvGrpSpPr>
+        <p:cNvPr id="1" name=""/>
+        <p:cNvGrpSpPr/>
+        <p:nvPr/>
+      </p:nvGrpSpPr>
+      <p:grpSpPr>
+        <a:xfrm>
+          <a:off x="0" y="0"/>
+          <a:ext cx="0" cy="0"/>
+          <a:chOff x="0" y="0"/>
+          <a:chExt cx="0" cy="0"/>
+        </a:xfrm>
+      </p:grpSpPr>
+      <p:sp>
+        <p:nvSpPr>
+          <p:cNvPr id="2" name="タイトル 1">
+            <a:extLst>
+              <a:ext uri="{FF2B5EF4-FFF2-40B4-BE49-F238E27FC236}">
                 <a16:creationId xmlns:a16="http://schemas.microsoft.com/office/drawing/2014/main" id="{CFF6E18A-7403-466B-86C8-42A3C0E15CB7}"/>
               </a:ext>
             </a:extLst>
@@ -15748,7 +16131,7 @@
 </p:sld>
 </file>
 
-<file path=ppt/slides/slide13.xml><?xml version="1.0" encoding="utf-8"?>
+<file path=ppt/slides/slide14.xml><?xml version="1.0" encoding="utf-8"?>
 <p:sld xmlns:a="http://schemas.openxmlformats.org/drawingml/2006/main" xmlns:r="http://schemas.openxmlformats.org/officeDocument/2006/relationships" xmlns:p="http://schemas.openxmlformats.org/presentationml/2006/main">
   <p:cSld>
     <p:spTree>
@@ -16133,6 +16516,218 @@
 </file>
 
 <file path=ppt/slides/slide3.xml><?xml version="1.0" encoding="utf-8"?>
+<p:sld xmlns:a="http://schemas.openxmlformats.org/drawingml/2006/main" xmlns:r="http://schemas.openxmlformats.org/officeDocument/2006/relationships" xmlns:p="http://schemas.openxmlformats.org/presentationml/2006/main">
+  <p:cSld>
+    <p:spTree>
+      <p:nvGrpSpPr>
+        <p:cNvPr id="1" name=""/>
+        <p:cNvGrpSpPr/>
+        <p:nvPr/>
+      </p:nvGrpSpPr>
+      <p:grpSpPr>
+        <a:xfrm>
+          <a:off x="0" y="0"/>
+          <a:ext cx="0" cy="0"/>
+          <a:chOff x="0" y="0"/>
+          <a:chExt cx="0" cy="0"/>
+        </a:xfrm>
+      </p:grpSpPr>
+      <p:sp>
+        <p:nvSpPr>
+          <p:cNvPr id="2" name="タイトル 1">
+            <a:extLst>
+              <a:ext uri="{FF2B5EF4-FFF2-40B4-BE49-F238E27FC236}">
+                <a16:creationId xmlns:a16="http://schemas.microsoft.com/office/drawing/2014/main" id="{BA053D25-D6FD-4118-A224-F5891DBC72AB}"/>
+              </a:ext>
+            </a:extLst>
+          </p:cNvPr>
+          <p:cNvSpPr>
+            <a:spLocks noGrp="1"/>
+          </p:cNvSpPr>
+          <p:nvPr>
+            <p:ph type="title"/>
+          </p:nvPr>
+        </p:nvSpPr>
+        <p:spPr>
+          <a:xfrm>
+            <a:off x="838200" y="0"/>
+            <a:ext cx="10515600" cy="1325563"/>
+          </a:xfrm>
+        </p:spPr>
+        <p:txBody>
+          <a:bodyPr/>
+          <a:lstStyle/>
+          <a:p>
+            <a:r>
+              <a:rPr kumimoji="1" lang="ja-JP" altLang="en-US" dirty="0"/>
+              <a:t>ゲームの世界観</a:t>
+            </a:r>
+            <a:r>
+              <a:rPr kumimoji="1" lang="en-US" altLang="ja-JP" dirty="0"/>
+              <a:t>(</a:t>
+            </a:r>
+            <a:r>
+              <a:rPr kumimoji="1" lang="ja-JP" altLang="en-US" dirty="0"/>
+              <a:t>主人公について</a:t>
+            </a:r>
+            <a:r>
+              <a:rPr kumimoji="1" lang="en-US" altLang="ja-JP" dirty="0"/>
+              <a:t>)</a:t>
+            </a:r>
+            <a:endParaRPr kumimoji="1" lang="ja-JP" altLang="en-US" dirty="0"/>
+          </a:p>
+        </p:txBody>
+      </p:sp>
+      <p:sp>
+        <p:nvSpPr>
+          <p:cNvPr id="3" name="テキスト プレースホルダー 2">
+            <a:extLst>
+              <a:ext uri="{FF2B5EF4-FFF2-40B4-BE49-F238E27FC236}">
+                <a16:creationId xmlns:a16="http://schemas.microsoft.com/office/drawing/2014/main" id="{38FE609B-F041-4137-9EAF-8B39831EFAB8}"/>
+              </a:ext>
+            </a:extLst>
+          </p:cNvPr>
+          <p:cNvSpPr>
+            <a:spLocks noGrp="1"/>
+          </p:cNvSpPr>
+          <p:nvPr>
+            <p:ph type="body" idx="1"/>
+          </p:nvPr>
+        </p:nvSpPr>
+        <p:spPr>
+          <a:xfrm>
+            <a:off x="838200" y="1032522"/>
+            <a:ext cx="10515600" cy="4939069"/>
+          </a:xfrm>
+        </p:spPr>
+        <p:txBody>
+          <a:bodyPr>
+            <a:normAutofit fontScale="70000" lnSpcReduction="20000"/>
+          </a:bodyPr>
+          <a:lstStyle/>
+          <a:p>
+            <a:pPr marL="114300" indent="0">
+              <a:buNone/>
+            </a:pPr>
+            <a:r>
+              <a:rPr kumimoji="1" lang="ja-JP" altLang="en-US" dirty="0"/>
+              <a:t>神々がダンジョンを創造した際、世界にはいくつかの「神々の遺物（レリック）」が残された。</a:t>
+            </a:r>
+          </a:p>
+          <a:p>
+            <a:pPr marL="114300" indent="0">
+              <a:buNone/>
+            </a:pPr>
+            <a:r>
+              <a:rPr kumimoji="1" lang="ja-JP" altLang="en-US" dirty="0"/>
+              <a:t>その中には、属性源の力を自在に操ることができる特別な剣もあったという。</a:t>
+            </a:r>
+          </a:p>
+          <a:p>
+            <a:pPr marL="114300" indent="0">
+              <a:buNone/>
+            </a:pPr>
+            <a:endParaRPr kumimoji="1" lang="ja-JP" altLang="en-US" dirty="0"/>
+          </a:p>
+          <a:p>
+            <a:pPr marL="114300" indent="0">
+              <a:buNone/>
+            </a:pPr>
+            <a:r>
+              <a:rPr kumimoji="1" lang="ja-JP" altLang="en-US" dirty="0"/>
+              <a:t>主人公が手にする剣は、その遺物のひとつであり、幼い頃に亡くなった親から託された“形見”でもある。</a:t>
+            </a:r>
+          </a:p>
+          <a:p>
+            <a:pPr marL="114300" indent="0">
+              <a:buNone/>
+            </a:pPr>
+            <a:r>
+              <a:rPr kumimoji="1" lang="ja-JP" altLang="en-US" dirty="0"/>
+              <a:t>この剣は通常の人間では扱うことができず、遺物に選ばれし者だけがその力を引き出せると伝えられている。</a:t>
+            </a:r>
+          </a:p>
+          <a:p>
+            <a:pPr marL="114300" indent="0">
+              <a:buNone/>
+            </a:pPr>
+            <a:endParaRPr kumimoji="1" lang="ja-JP" altLang="en-US" dirty="0"/>
+          </a:p>
+          <a:p>
+            <a:pPr marL="114300" indent="0">
+              <a:buNone/>
+            </a:pPr>
+            <a:r>
+              <a:rPr kumimoji="1" lang="ja-JP" altLang="en-US" dirty="0"/>
+              <a:t>属性源（エレメント）に触れたり、属性を帯びた存在を斬ることで力を吸収し、最大</a:t>
+            </a:r>
+            <a:r>
+              <a:rPr kumimoji="1" lang="en-US" altLang="ja-JP" dirty="0"/>
+              <a:t>5</a:t>
+            </a:r>
+            <a:r>
+              <a:rPr kumimoji="1" lang="ja-JP" altLang="en-US" dirty="0"/>
+              <a:t>回の攻撃に属性を宿せるこの剣は、</a:t>
+            </a:r>
+          </a:p>
+          <a:p>
+            <a:pPr marL="114300" indent="0">
+              <a:buNone/>
+            </a:pPr>
+            <a:r>
+              <a:rPr kumimoji="1" lang="ja-JP" altLang="en-US" dirty="0"/>
+              <a:t>ダンジョンの奥深くで待ち受ける数々の試練を突破する唯一無二の鍵となる。</a:t>
+            </a:r>
+          </a:p>
+          <a:p>
+            <a:pPr marL="114300" indent="0">
+              <a:buNone/>
+            </a:pPr>
+            <a:endParaRPr kumimoji="1" lang="ja-JP" altLang="en-US" dirty="0"/>
+          </a:p>
+          <a:p>
+            <a:pPr marL="114300" indent="0">
+              <a:buNone/>
+            </a:pPr>
+            <a:r>
+              <a:rPr kumimoji="1" lang="ja-JP" altLang="en-US" dirty="0"/>
+              <a:t>他の冒険者たちは魔法や通常の武器で戦うしかないが、主人公はこの特別な剣を手に、</a:t>
+            </a:r>
+          </a:p>
+          <a:p>
+            <a:pPr marL="114300" indent="0">
+              <a:buNone/>
+            </a:pPr>
+            <a:r>
+              <a:rPr kumimoji="1" lang="ja-JP" altLang="en-US" dirty="0"/>
+              <a:t>変わり続けるダンジョンの深層へとただ一人で挑んでいく</a:t>
+            </a:r>
+            <a:r>
+              <a:rPr kumimoji="1" lang="en-US" altLang="ja-JP" dirty="0"/>
+              <a:t>――</a:t>
+            </a:r>
+            <a:r>
+              <a:rPr kumimoji="1" lang="ja-JP" altLang="en-US" dirty="0" err="1"/>
+              <a:t>。</a:t>
+            </a:r>
+            <a:endParaRPr kumimoji="1" lang="ja-JP" altLang="en-US" dirty="0"/>
+          </a:p>
+        </p:txBody>
+      </p:sp>
+    </p:spTree>
+    <p:extLst>
+      <p:ext uri="{BB962C8B-B14F-4D97-AF65-F5344CB8AC3E}">
+        <p14:creationId xmlns:p14="http://schemas.microsoft.com/office/powerpoint/2010/main" val="3412567106"/>
+      </p:ext>
+    </p:extLst>
+  </p:cSld>
+  <p:clrMapOvr>
+    <a:masterClrMapping/>
+  </p:clrMapOvr>
+</p:sld>
+</file>
+
+<file path=ppt/slides/slide4.xml><?xml version="1.0" encoding="utf-8"?>
 <p:sld xmlns:a="http://schemas.openxmlformats.org/drawingml/2006/main" xmlns:r="http://schemas.openxmlformats.org/officeDocument/2006/relationships" xmlns:p="http://schemas.openxmlformats.org/presentationml/2006/main">
   <p:cSld>
     <p:spTree>
@@ -17292,53 +17887,6 @@
           </a:fontRef>
         </p:style>
       </p:cxnSp>
-      <p:pic>
-        <p:nvPicPr>
-          <p:cNvPr id="33" name="Picture 2" descr="岩のフリー写真素材 [3688] | フォトック">
-            <a:extLst>
-              <a:ext uri="{FF2B5EF4-FFF2-40B4-BE49-F238E27FC236}">
-                <a16:creationId xmlns:a16="http://schemas.microsoft.com/office/drawing/2014/main" id="{DD511858-C176-494D-8D98-E5C098796CC6}"/>
-              </a:ext>
-            </a:extLst>
-          </p:cNvPr>
-          <p:cNvPicPr>
-            <a:picLocks noChangeAspect="1" noChangeArrowheads="1"/>
-          </p:cNvPicPr>
-          <p:nvPr/>
-        </p:nvPicPr>
-        <p:blipFill>
-          <a:blip r:embed="rId8">
-            <a:extLst>
-              <a:ext uri="{28A0092B-C50C-407E-A947-70E740481C1C}">
-                <a14:useLocalDpi xmlns:a14="http://schemas.microsoft.com/office/drawing/2010/main" val="0"/>
-              </a:ext>
-            </a:extLst>
-          </a:blip>
-          <a:srcRect/>
-          <a:stretch>
-            <a:fillRect/>
-          </a:stretch>
-        </p:blipFill>
-        <p:spPr bwMode="auto">
-          <a:xfrm>
-            <a:off x="7518074" y="1554804"/>
-            <a:ext cx="1796623" cy="2392054"/>
-          </a:xfrm>
-          <a:prstGeom prst="rect">
-            <a:avLst/>
-          </a:prstGeom>
-          <a:noFill/>
-          <a:extLst>
-            <a:ext uri="{909E8E84-426E-40DD-AFC4-6F175D3DCCD1}">
-              <a14:hiddenFill xmlns:a14="http://schemas.microsoft.com/office/drawing/2010/main">
-                <a:solidFill>
-                  <a:srgbClr val="FFFFFF"/>
-                </a:solidFill>
-              </a14:hiddenFill>
-            </a:ext>
-          </a:extLst>
-        </p:spPr>
-      </p:pic>
       <p:cxnSp>
         <p:nvCxnSpPr>
           <p:cNvPr id="35" name="直線コネクタ 34">
@@ -17377,41 +17925,6 @@
       </p:cxnSp>
       <p:sp>
         <p:nvSpPr>
-          <p:cNvPr id="36" name="テキスト ボックス 35">
-            <a:extLst>
-              <a:ext uri="{FF2B5EF4-FFF2-40B4-BE49-F238E27FC236}">
-                <a16:creationId xmlns:a16="http://schemas.microsoft.com/office/drawing/2014/main" id="{52BE829B-236F-4ED1-9EF6-B42405CC91E3}"/>
-              </a:ext>
-            </a:extLst>
-          </p:cNvPr>
-          <p:cNvSpPr txBox="1"/>
-          <p:nvPr/>
-        </p:nvSpPr>
-        <p:spPr>
-          <a:xfrm>
-            <a:off x="8902494" y="4929472"/>
-            <a:ext cx="1441420" cy="307777"/>
-          </a:xfrm>
-          <a:prstGeom prst="rect">
-            <a:avLst/>
-          </a:prstGeom>
-          <a:noFill/>
-        </p:spPr>
-        <p:txBody>
-          <a:bodyPr wrap="none" rtlCol="0">
-            <a:spAutoFit/>
-          </a:bodyPr>
-          <a:lstStyle/>
-          <a:p>
-            <a:r>
-              <a:rPr kumimoji="1" lang="ja-JP" altLang="en-US" dirty="0"/>
-              <a:t>爆弾で壊せる岩</a:t>
-            </a:r>
-          </a:p>
-        </p:txBody>
-      </p:sp>
-      <p:sp>
-        <p:nvSpPr>
           <p:cNvPr id="3" name="楕円 2">
             <a:extLst>
               <a:ext uri="{FF2B5EF4-FFF2-40B4-BE49-F238E27FC236}">
@@ -17424,7 +17937,7 @@
         </p:nvSpPr>
         <p:spPr>
           <a:xfrm>
-            <a:off x="2552981" y="5247257"/>
+            <a:off x="2552981" y="5234144"/>
             <a:ext cx="178813" cy="178813"/>
           </a:xfrm>
           <a:prstGeom prst="ellipse">
@@ -17532,20 +18045,28 @@
         </p:nvSpPr>
         <p:spPr>
           <a:xfrm>
-            <a:off x="2287357" y="5247257"/>
+            <a:off x="2276563" y="5234144"/>
             <a:ext cx="178813" cy="178813"/>
           </a:xfrm>
           <a:prstGeom prst="ellipse">
             <a:avLst/>
           </a:prstGeom>
           <a:solidFill>
-            <a:schemeClr val="bg1"/>
+            <a:schemeClr val="accent1"/>
           </a:solidFill>
           <a:ln>
             <a:solidFill>
               <a:schemeClr val="tx1"/>
             </a:solidFill>
           </a:ln>
+          <a:effectLst>
+            <a:glow rad="101600">
+              <a:schemeClr val="accent2">
+                <a:satMod val="175000"/>
+                <a:alpha val="40000"/>
+              </a:schemeClr>
+            </a:glow>
+          </a:effectLst>
         </p:spPr>
         <p:style>
           <a:lnRef idx="2">
@@ -17586,8 +18107,8 @@
         </p:nvSpPr>
         <p:spPr>
           <a:xfrm>
-            <a:off x="391845" y="4622359"/>
-            <a:ext cx="1800493" cy="307777"/>
+            <a:off x="236510" y="4269442"/>
+            <a:ext cx="2339102" cy="738664"/>
           </a:xfrm>
           <a:prstGeom prst="rect">
             <a:avLst/>
@@ -17603,6 +18124,20 @@
             <a:r>
               <a:rPr kumimoji="1" lang="ja-JP" altLang="en-US" dirty="0"/>
               <a:t>持っている残り属性</a:t>
+            </a:r>
+            <a:endParaRPr kumimoji="1" lang="en-US" altLang="ja-JP" dirty="0"/>
+          </a:p>
+          <a:p>
+            <a:r>
+              <a:rPr kumimoji="1" lang="ja-JP" altLang="en-US" dirty="0"/>
+              <a:t>ハイライトされているのが</a:t>
+            </a:r>
+            <a:endParaRPr kumimoji="1" lang="en-US" altLang="ja-JP" dirty="0"/>
+          </a:p>
+          <a:p>
+            <a:r>
+              <a:rPr kumimoji="1" lang="ja-JP" altLang="en-US" dirty="0"/>
+              <a:t>今装備している属性</a:t>
             </a:r>
           </a:p>
         </p:txBody>
@@ -17663,7 +18198,7 @@
           <p:nvPr/>
         </p:nvPicPr>
         <p:blipFill>
-          <a:blip r:embed="rId9">
+          <a:blip r:embed="rId8">
             <a:extLst>
               <a:ext uri="{28A0092B-C50C-407E-A947-70E740481C1C}">
                 <a14:useLocalDpi xmlns:a14="http://schemas.microsoft.com/office/drawing/2010/main" val="0"/>
@@ -17677,8 +18212,8 @@
         </p:blipFill>
         <p:spPr bwMode="auto">
           <a:xfrm>
-            <a:off x="7297032" y="4145993"/>
-            <a:ext cx="1473351" cy="1473351"/>
+            <a:off x="7901357" y="4805012"/>
+            <a:ext cx="746214" cy="746214"/>
           </a:xfrm>
           <a:prstGeom prst="rect">
             <a:avLst/>
@@ -17749,7 +18284,7 @@
         <p:spPr>
           <a:xfrm>
             <a:off x="9123299" y="6199951"/>
-            <a:ext cx="723275" cy="307777"/>
+            <a:ext cx="1021433" cy="307777"/>
           </a:xfrm>
           <a:prstGeom prst="rect">
             <a:avLst/>
@@ -17766,6 +18301,211 @@
               <a:rPr kumimoji="1" lang="ja-JP" altLang="en-US" dirty="0"/>
               <a:t>属性源</a:t>
             </a:r>
+            <a:r>
+              <a:rPr kumimoji="1" lang="en-US" altLang="ja-JP" dirty="0"/>
+              <a:t>(</a:t>
+            </a:r>
+            <a:r>
+              <a:rPr kumimoji="1" lang="ja-JP" altLang="en-US" dirty="0"/>
+              <a:t>氷</a:t>
+            </a:r>
+            <a:r>
+              <a:rPr kumimoji="1" lang="en-US" altLang="ja-JP" dirty="0"/>
+              <a:t>)</a:t>
+            </a:r>
+          </a:p>
+        </p:txBody>
+      </p:sp>
+      <p:sp>
+        <p:nvSpPr>
+          <p:cNvPr id="12" name="正方形/長方形 11">
+            <a:extLst>
+              <a:ext uri="{FF2B5EF4-FFF2-40B4-BE49-F238E27FC236}">
+                <a16:creationId xmlns:a16="http://schemas.microsoft.com/office/drawing/2014/main" id="{7D2E8DDA-D60F-4DC7-A075-E122E84AA46F}"/>
+              </a:ext>
+            </a:extLst>
+          </p:cNvPr>
+          <p:cNvSpPr/>
+          <p:nvPr/>
+        </p:nvSpPr>
+        <p:spPr>
+          <a:xfrm>
+            <a:off x="8322906" y="1636862"/>
+            <a:ext cx="472167" cy="2227939"/>
+          </a:xfrm>
+          <a:prstGeom prst="rect">
+            <a:avLst/>
+          </a:prstGeom>
+        </p:spPr>
+        <p:style>
+          <a:lnRef idx="2">
+            <a:schemeClr val="accent1">
+              <a:shade val="50000"/>
+            </a:schemeClr>
+          </a:lnRef>
+          <a:fillRef idx="1">
+            <a:schemeClr val="accent1"/>
+          </a:fillRef>
+          <a:effectRef idx="0">
+            <a:schemeClr val="accent1"/>
+          </a:effectRef>
+          <a:fontRef idx="minor">
+            <a:schemeClr val="lt1"/>
+          </a:fontRef>
+        </p:style>
+        <p:txBody>
+          <a:bodyPr rtlCol="0" anchor="ctr"/>
+          <a:lstStyle/>
+          <a:p>
+            <a:pPr algn="ctr"/>
+            <a:r>
+              <a:rPr kumimoji="1" lang="ja-JP" altLang="en-US" dirty="0"/>
+              <a:t>属性の壁</a:t>
+            </a:r>
+            <a:endParaRPr kumimoji="1" lang="en-US" altLang="ja-JP" dirty="0"/>
+          </a:p>
+        </p:txBody>
+      </p:sp>
+      <p:sp>
+        <p:nvSpPr>
+          <p:cNvPr id="39" name="テキスト ボックス 38">
+            <a:extLst>
+              <a:ext uri="{FF2B5EF4-FFF2-40B4-BE49-F238E27FC236}">
+                <a16:creationId xmlns:a16="http://schemas.microsoft.com/office/drawing/2014/main" id="{FBF781A7-E8E9-4A33-AA99-5FFEAAC3270B}"/>
+              </a:ext>
+            </a:extLst>
+          </p:cNvPr>
+          <p:cNvSpPr txBox="1"/>
+          <p:nvPr/>
+        </p:nvSpPr>
+        <p:spPr>
+          <a:xfrm>
+            <a:off x="9016392" y="4957932"/>
+            <a:ext cx="2655114" cy="307777"/>
+          </a:xfrm>
+          <a:prstGeom prst="rect">
+            <a:avLst/>
+          </a:prstGeom>
+          <a:noFill/>
+        </p:spPr>
+        <p:txBody>
+          <a:bodyPr wrap="square" rtlCol="0">
+            <a:spAutoFit/>
+          </a:bodyPr>
+          <a:lstStyle/>
+          <a:p>
+            <a:r>
+              <a:rPr kumimoji="1" lang="ja-JP" altLang="en-US" dirty="0"/>
+              <a:t>氷属性で攻撃すると壊れる壁</a:t>
+            </a:r>
+          </a:p>
+        </p:txBody>
+      </p:sp>
+      <p:sp>
+        <p:nvSpPr>
+          <p:cNvPr id="40" name="楕円 39">
+            <a:extLst>
+              <a:ext uri="{FF2B5EF4-FFF2-40B4-BE49-F238E27FC236}">
+                <a16:creationId xmlns:a16="http://schemas.microsoft.com/office/drawing/2014/main" id="{01703A2B-8A20-47C8-9C1B-008C55AD8EF9}"/>
+              </a:ext>
+            </a:extLst>
+          </p:cNvPr>
+          <p:cNvSpPr/>
+          <p:nvPr/>
+        </p:nvSpPr>
+        <p:spPr>
+          <a:xfrm>
+            <a:off x="1722244" y="5237249"/>
+            <a:ext cx="178813" cy="178813"/>
+          </a:xfrm>
+          <a:prstGeom prst="ellipse">
+            <a:avLst/>
+          </a:prstGeom>
+          <a:solidFill>
+            <a:schemeClr val="bg1"/>
+          </a:solidFill>
+          <a:ln>
+            <a:solidFill>
+              <a:schemeClr val="tx1"/>
+            </a:solidFill>
+          </a:ln>
+        </p:spPr>
+        <p:style>
+          <a:lnRef idx="2">
+            <a:schemeClr val="accent1">
+              <a:shade val="50000"/>
+            </a:schemeClr>
+          </a:lnRef>
+          <a:fillRef idx="1">
+            <a:schemeClr val="accent1"/>
+          </a:fillRef>
+          <a:effectRef idx="0">
+            <a:schemeClr val="accent1"/>
+          </a:effectRef>
+          <a:fontRef idx="minor">
+            <a:schemeClr val="lt1"/>
+          </a:fontRef>
+        </p:style>
+        <p:txBody>
+          <a:bodyPr rtlCol="0" anchor="ctr"/>
+          <a:lstStyle/>
+          <a:p>
+            <a:pPr algn="ctr"/>
+            <a:endParaRPr kumimoji="1" lang="ja-JP" altLang="en-US"/>
+          </a:p>
+        </p:txBody>
+      </p:sp>
+      <p:sp>
+        <p:nvSpPr>
+          <p:cNvPr id="41" name="楕円 40">
+            <a:extLst>
+              <a:ext uri="{FF2B5EF4-FFF2-40B4-BE49-F238E27FC236}">
+                <a16:creationId xmlns:a16="http://schemas.microsoft.com/office/drawing/2014/main" id="{04F67D50-6CBF-405C-B40D-F756FDA5CB73}"/>
+              </a:ext>
+            </a:extLst>
+          </p:cNvPr>
+          <p:cNvSpPr/>
+          <p:nvPr/>
+        </p:nvSpPr>
+        <p:spPr>
+          <a:xfrm>
+            <a:off x="1436898" y="5234144"/>
+            <a:ext cx="178813" cy="178813"/>
+          </a:xfrm>
+          <a:prstGeom prst="ellipse">
+            <a:avLst/>
+          </a:prstGeom>
+          <a:solidFill>
+            <a:schemeClr val="bg1"/>
+          </a:solidFill>
+          <a:ln>
+            <a:solidFill>
+              <a:schemeClr val="tx1"/>
+            </a:solidFill>
+          </a:ln>
+        </p:spPr>
+        <p:style>
+          <a:lnRef idx="2">
+            <a:schemeClr val="accent1">
+              <a:shade val="50000"/>
+            </a:schemeClr>
+          </a:lnRef>
+          <a:fillRef idx="1">
+            <a:schemeClr val="accent1"/>
+          </a:fillRef>
+          <a:effectRef idx="0">
+            <a:schemeClr val="accent1"/>
+          </a:effectRef>
+          <a:fontRef idx="minor">
+            <a:schemeClr val="lt1"/>
+          </a:fontRef>
+        </p:style>
+        <p:txBody>
+          <a:bodyPr rtlCol="0" anchor="ctr"/>
+          <a:lstStyle/>
+          <a:p>
+            <a:pPr algn="ctr"/>
+            <a:endParaRPr kumimoji="1" lang="ja-JP" altLang="en-US"/>
           </a:p>
         </p:txBody>
       </p:sp>
@@ -17777,7 +18517,7 @@
 </p:sld>
 </file>
 
-<file path=ppt/slides/slide4.xml><?xml version="1.0" encoding="utf-8"?>
+<file path=ppt/slides/slide5.xml><?xml version="1.0" encoding="utf-8"?>
 <p:sld xmlns:a="http://schemas.openxmlformats.org/drawingml/2006/main" xmlns:r="http://schemas.openxmlformats.org/officeDocument/2006/relationships" xmlns:p="http://schemas.openxmlformats.org/presentationml/2006/main">
   <p:cSld>
     <p:spTree>
@@ -18474,14 +19214,14 @@
           <p:nvPr>
             <p:extLst>
               <p:ext uri="{D42A27DB-BD31-4B8C-83A1-F6EECF244321}">
-                <p14:modId xmlns:p14="http://schemas.microsoft.com/office/powerpoint/2010/main" val="222556565"/>
+                <p14:modId xmlns:p14="http://schemas.microsoft.com/office/powerpoint/2010/main" val="217839770"/>
               </p:ext>
             </p:extLst>
           </p:nvPr>
         </p:nvGraphicFramePr>
         <p:xfrm>
-          <a:off x="6299250" y="4734169"/>
-          <a:ext cx="4252700" cy="1981050"/>
+          <a:off x="6299249" y="4734169"/>
+          <a:ext cx="4776188" cy="1981050"/>
         </p:xfrm>
         <a:graphic>
           <a:graphicData uri="http://schemas.openxmlformats.org/drawingml/2006/table">
@@ -18491,14 +19231,14 @@
                 <a:tableStyleId>{61028C50-26F5-4800-AE9B-D556C7522C39}</a:tableStyleId>
               </a:tblPr>
               <a:tblGrid>
-                <a:gridCol w="2126350">
+                <a:gridCol w="2388094">
                   <a:extLst>
                     <a:ext uri="{9D8B030D-6E8A-4147-A177-3AD203B41FA5}">
                       <a16:colId xmlns:a16="http://schemas.microsoft.com/office/drawing/2014/main" val="20000"/>
                     </a:ext>
                   </a:extLst>
                 </a:gridCol>
-                <a:gridCol w="2126350">
+                <a:gridCol w="2388094">
                   <a:extLst>
                     <a:ext uri="{9D8B030D-6E8A-4147-A177-3AD203B41FA5}">
                       <a16:colId xmlns:a16="http://schemas.microsoft.com/office/drawing/2014/main" val="20001"/>
@@ -18731,7 +19471,7 @@
                       </a:pPr>
                       <a:r>
                         <a:rPr lang="ja-JP" altLang="en-US" dirty="0"/>
-                        <a:t>持っている属性の解除</a:t>
+                        <a:t>装備中のアイテムを使用</a:t>
                       </a:r>
                       <a:endParaRPr dirty="0"/>
                     </a:p>
@@ -18937,7 +19677,7 @@
 </p:sld>
 </file>
 
-<file path=ppt/slides/slide5.xml><?xml version="1.0" encoding="utf-8"?>
+<file path=ppt/slides/slide6.xml><?xml version="1.0" encoding="utf-8"?>
 <p:sld xmlns:a="http://schemas.openxmlformats.org/drawingml/2006/main" xmlns:r="http://schemas.openxmlformats.org/officeDocument/2006/relationships" xmlns:p="http://schemas.openxmlformats.org/presentationml/2006/main">
   <p:cSld>
     <p:spTree>
@@ -18961,14 +19701,14 @@
           <p:nvPr>
             <p:extLst>
               <p:ext uri="{D42A27DB-BD31-4B8C-83A1-F6EECF244321}">
-                <p14:modId xmlns:p14="http://schemas.microsoft.com/office/powerpoint/2010/main" val="2707620476"/>
+                <p14:modId xmlns:p14="http://schemas.microsoft.com/office/powerpoint/2010/main" val="1861297846"/>
               </p:ext>
             </p:extLst>
           </p:nvPr>
         </p:nvGraphicFramePr>
         <p:xfrm>
           <a:off x="3969638" y="4493825"/>
-          <a:ext cx="4495100" cy="2194410"/>
+          <a:ext cx="4495100" cy="1981050"/>
         </p:xfrm>
         <a:graphic>
           <a:graphicData uri="http://schemas.openxmlformats.org/drawingml/2006/table">
@@ -19200,7 +19940,7 @@
                             <a:schemeClr val="dk1"/>
                           </a:solidFill>
                         </a:rPr>
-                        <a:t>装備アイテムを使う</a:t>
+                        <a:t>属性源を消費して攻撃</a:t>
                       </a:r>
                       <a:endParaRPr dirty="0">
                         <a:solidFill>
@@ -19257,7 +19997,7 @@
                       </a:pPr>
                       <a:r>
                         <a:rPr lang="ja-JP" altLang="en-US" dirty="0"/>
-                        <a:t>セットされている装備アイテムを変更</a:t>
+                        <a:t>持っている属性を変更</a:t>
                       </a:r>
                       <a:endParaRPr dirty="0"/>
                     </a:p>
@@ -19408,7 +20148,7 @@
 </p:sld>
 </file>
 
-<file path=ppt/slides/slide6.xml><?xml version="1.0" encoding="utf-8"?>
+<file path=ppt/slides/slide7.xml><?xml version="1.0" encoding="utf-8"?>
 <p:sld xmlns:a="http://schemas.openxmlformats.org/drawingml/2006/main" xmlns:r="http://schemas.openxmlformats.org/officeDocument/2006/relationships" xmlns:p="http://schemas.openxmlformats.org/presentationml/2006/main">
   <p:cSld>
     <p:spTree>
@@ -19496,7 +20236,23 @@
             </a:pPr>
             <a:r>
               <a:rPr kumimoji="1" lang="ja-JP" altLang="en-US" dirty="0"/>
-              <a:t>ダンジョンは、ランダム生成で作り、プレイヤーが飽きにくく、わくわく感が長く続くようにしたいです。</a:t>
+              <a:t>主人公の剣は始めは無属性で、属性源</a:t>
+            </a:r>
+            <a:r>
+              <a:rPr kumimoji="1" lang="en-US" altLang="ja-JP" dirty="0"/>
+              <a:t>(</a:t>
+            </a:r>
+            <a:r>
+              <a:rPr kumimoji="1" lang="ja-JP" altLang="en-US" dirty="0"/>
+              <a:t>対応した属性の色をしたクリスタル</a:t>
+            </a:r>
+            <a:r>
+              <a:rPr kumimoji="1" lang="en-US" altLang="ja-JP" dirty="0"/>
+              <a:t>)</a:t>
+            </a:r>
+            <a:r>
+              <a:rPr kumimoji="1" lang="ja-JP" altLang="en-US" dirty="0"/>
+              <a:t>を拾うと空の属性スロットに補充される。</a:t>
             </a:r>
             <a:endParaRPr kumimoji="1" lang="en-US" altLang="ja-JP" dirty="0"/>
           </a:p>
@@ -19506,7 +20262,17 @@
             </a:pPr>
             <a:r>
               <a:rPr kumimoji="1" lang="ja-JP" altLang="en-US" dirty="0"/>
-              <a:t>ダンジョンに出てくるモンスターはギミックを駆使して倒さないとなかなか倒すことが出来ない。</a:t>
+              <a:t>属性スロットが全て埋まっている状態で、属性源を拾った場合装備中の属性が上書きされる。</a:t>
+            </a:r>
+            <a:endParaRPr kumimoji="1" lang="en-US" altLang="ja-JP" dirty="0"/>
+          </a:p>
+          <a:p>
+            <a:pPr marL="114300" indent="0">
+              <a:buNone/>
+            </a:pPr>
+            <a:r>
+              <a:rPr kumimoji="1" lang="ja-JP" altLang="en-US" dirty="0"/>
+              <a:t>ダンジョンは、ランダム生成で作り、プレイヤーが飽きにくく、わくわく感が長く続くようにしたいです。</a:t>
             </a:r>
             <a:endParaRPr kumimoji="1" lang="en-US" altLang="ja-JP" dirty="0"/>
           </a:p>
@@ -19531,7 +20297,7 @@
 </p:sld>
 </file>
 
-<file path=ppt/slides/slide7.xml><?xml version="1.0" encoding="utf-8"?>
+<file path=ppt/slides/slide8.xml><?xml version="1.0" encoding="utf-8"?>
 <p:sld xmlns:a="http://schemas.openxmlformats.org/drawingml/2006/main" xmlns:r="http://schemas.openxmlformats.org/officeDocument/2006/relationships" xmlns:p="http://schemas.openxmlformats.org/presentationml/2006/main">
   <p:cSld>
     <p:spTree>
@@ -20017,174 +20783,6 @@
 </p:sld>
 </file>
 
-<file path=ppt/slides/slide8.xml><?xml version="1.0" encoding="utf-8"?>
-<p:sld xmlns:a="http://schemas.openxmlformats.org/drawingml/2006/main" xmlns:r="http://schemas.openxmlformats.org/officeDocument/2006/relationships" xmlns:p="http://schemas.openxmlformats.org/presentationml/2006/main">
-  <p:cSld>
-    <p:spTree>
-      <p:nvGrpSpPr>
-        <p:cNvPr id="1" name=""/>
-        <p:cNvGrpSpPr/>
-        <p:nvPr/>
-      </p:nvGrpSpPr>
-      <p:grpSpPr>
-        <a:xfrm>
-          <a:off x="0" y="0"/>
-          <a:ext cx="0" cy="0"/>
-          <a:chOff x="0" y="0"/>
-          <a:chExt cx="0" cy="0"/>
-        </a:xfrm>
-      </p:grpSpPr>
-      <p:sp>
-        <p:nvSpPr>
-          <p:cNvPr id="2" name="タイトル 1">
-            <a:extLst>
-              <a:ext uri="{FF2B5EF4-FFF2-40B4-BE49-F238E27FC236}">
-                <a16:creationId xmlns:a16="http://schemas.microsoft.com/office/drawing/2014/main" id="{58EB056B-CBE8-42A8-B68E-23B4FFC833FD}"/>
-              </a:ext>
-            </a:extLst>
-          </p:cNvPr>
-          <p:cNvSpPr>
-            <a:spLocks noGrp="1"/>
-          </p:cNvSpPr>
-          <p:nvPr>
-            <p:ph type="title"/>
-          </p:nvPr>
-        </p:nvSpPr>
-        <p:spPr/>
-        <p:txBody>
-          <a:bodyPr/>
-          <a:lstStyle/>
-          <a:p>
-            <a:r>
-              <a:rPr kumimoji="1" lang="ja-JP" altLang="en-US" dirty="0"/>
-              <a:t>通常ギミック案</a:t>
-            </a:r>
-          </a:p>
-        </p:txBody>
-      </p:sp>
-      <p:sp>
-        <p:nvSpPr>
-          <p:cNvPr id="3" name="テキスト プレースホルダー 2">
-            <a:extLst>
-              <a:ext uri="{FF2B5EF4-FFF2-40B4-BE49-F238E27FC236}">
-                <a16:creationId xmlns:a16="http://schemas.microsoft.com/office/drawing/2014/main" id="{529B0325-8920-42B2-BA94-DAE959FD7B56}"/>
-              </a:ext>
-            </a:extLst>
-          </p:cNvPr>
-          <p:cNvSpPr>
-            <a:spLocks noGrp="1"/>
-          </p:cNvSpPr>
-          <p:nvPr>
-            <p:ph type="body" idx="1"/>
-          </p:nvPr>
-        </p:nvSpPr>
-        <p:spPr>
-          <a:xfrm>
-            <a:off x="838200" y="1353351"/>
-            <a:ext cx="10515600" cy="5067545"/>
-          </a:xfrm>
-        </p:spPr>
-        <p:txBody>
-          <a:bodyPr>
-            <a:normAutofit/>
-          </a:bodyPr>
-          <a:lstStyle/>
-          <a:p>
-            <a:pPr marL="114300" indent="0">
-              <a:buNone/>
-            </a:pPr>
-            <a:r>
-              <a:rPr kumimoji="1" lang="ja-JP" altLang="en-US" dirty="0"/>
-              <a:t>・壊れかけの岩を爆弾で壊して隠し通路がでたり、アイテムが　　　　　出てきたりする。</a:t>
-            </a:r>
-            <a:endParaRPr kumimoji="1" lang="en-US" altLang="ja-JP" dirty="0"/>
-          </a:p>
-          <a:p>
-            <a:pPr marL="114300" indent="0">
-              <a:buNone/>
-            </a:pPr>
-            <a:r>
-              <a:rPr kumimoji="1" lang="ja-JP" altLang="en-US" dirty="0"/>
-              <a:t>・剣で縄を斬り吊るされているアイテムを取る。</a:t>
-            </a:r>
-            <a:endParaRPr kumimoji="1" lang="en-US" altLang="ja-JP" dirty="0"/>
-          </a:p>
-          <a:p>
-            <a:pPr marL="114300" indent="0">
-              <a:buNone/>
-            </a:pPr>
-            <a:r>
-              <a:rPr kumimoji="1" lang="ja-JP" altLang="en-US" dirty="0"/>
-              <a:t>・スイッチを踏むと矢が飛んでくるところに敵をおびき寄せて背中から出ないとダメージが入らない敵を倒す。</a:t>
-            </a:r>
-            <a:endParaRPr kumimoji="1" lang="en-US" altLang="ja-JP" dirty="0"/>
-          </a:p>
-          <a:p>
-            <a:pPr marL="114300" indent="0">
-              <a:buNone/>
-            </a:pPr>
-            <a:r>
-              <a:rPr kumimoji="1" lang="ja-JP" altLang="en-US" dirty="0"/>
-              <a:t>・スイッチの上に動かせる箱を押して持ってくる。</a:t>
-            </a:r>
-            <a:endParaRPr kumimoji="1" lang="en-US" altLang="ja-JP" dirty="0"/>
-          </a:p>
-          <a:p>
-            <a:pPr marL="114300" indent="0">
-              <a:buNone/>
-            </a:pPr>
-            <a:r>
-              <a:rPr kumimoji="1" lang="ja-JP" altLang="en-US" dirty="0"/>
-              <a:t>・エリアに入ると通路が塞がれ敵を全滅させると開く扉。</a:t>
-            </a:r>
-            <a:endParaRPr kumimoji="1" lang="en-US" altLang="ja-JP" dirty="0"/>
-          </a:p>
-          <a:p>
-            <a:pPr marL="114300" indent="0">
-              <a:buNone/>
-            </a:pPr>
-            <a:r>
-              <a:rPr kumimoji="1" lang="ja-JP" altLang="en-US" dirty="0"/>
-              <a:t>・隣の部屋と同じ状態にすると扉が開く。</a:t>
-            </a:r>
-            <a:r>
-              <a:rPr kumimoji="1" lang="en-US" altLang="ja-JP" dirty="0"/>
-              <a:t>(</a:t>
-            </a:r>
-            <a:r>
-              <a:rPr kumimoji="1" lang="ja-JP" altLang="en-US" dirty="0"/>
-              <a:t>鏡合わせ</a:t>
-            </a:r>
-            <a:r>
-              <a:rPr kumimoji="1" lang="en-US" altLang="ja-JP" dirty="0"/>
-              <a:t>)</a:t>
-            </a:r>
-          </a:p>
-          <a:p>
-            <a:pPr marL="114300" indent="0">
-              <a:buNone/>
-            </a:pPr>
-            <a:r>
-              <a:rPr kumimoji="1" lang="ja-JP" altLang="en-US" dirty="0"/>
-              <a:t>・重力の反転など</a:t>
-            </a:r>
-            <a:endParaRPr kumimoji="1" lang="en-US" altLang="ja-JP" dirty="0"/>
-          </a:p>
-        </p:txBody>
-      </p:sp>
-    </p:spTree>
-    <p:extLst>
-      <p:ext uri="{BB962C8B-B14F-4D97-AF65-F5344CB8AC3E}">
-        <p14:creationId xmlns:p14="http://schemas.microsoft.com/office/powerpoint/2010/main" val="437889818"/>
-      </p:ext>
-    </p:extLst>
-  </p:cSld>
-  <p:clrMapOvr>
-    <a:masterClrMapping/>
-  </p:clrMapOvr>
-</p:sld>
-</file>
-
 <file path=ppt/slides/slide9.xml><?xml version="1.0" encoding="utf-8"?>
 <p:sld xmlns:a="http://schemas.openxmlformats.org/drawingml/2006/main" xmlns:r="http://schemas.openxmlformats.org/officeDocument/2006/relationships" xmlns:p="http://schemas.openxmlformats.org/presentationml/2006/main">
   <p:cSld>
@@ -20207,7 +20805,7 @@
           <p:cNvPr id="2" name="タイトル 1">
             <a:extLst>
               <a:ext uri="{FF2B5EF4-FFF2-40B4-BE49-F238E27FC236}">
-                <a16:creationId xmlns:a16="http://schemas.microsoft.com/office/drawing/2014/main" id="{29672A60-7705-48CE-BA0D-87B6E3D7F053}"/>
+                <a16:creationId xmlns:a16="http://schemas.microsoft.com/office/drawing/2014/main" id="{A6F2D7F5-E61C-44D3-9E91-DAA0B4FD6238}"/>
               </a:ext>
             </a:extLst>
           </p:cNvPr>
@@ -20225,7 +20823,7 @@
           <a:p>
             <a:r>
               <a:rPr kumimoji="1" lang="ja-JP" altLang="en-US" dirty="0"/>
-              <a:t>属性ギミック</a:t>
+              <a:t>属性のギミック</a:t>
             </a:r>
           </a:p>
         </p:txBody>
@@ -20235,7 +20833,7 @@
           <p:cNvPr id="3" name="テキスト プレースホルダー 2">
             <a:extLst>
               <a:ext uri="{FF2B5EF4-FFF2-40B4-BE49-F238E27FC236}">
-                <a16:creationId xmlns:a16="http://schemas.microsoft.com/office/drawing/2014/main" id="{CBC6771A-10E2-4E8E-8D8E-71A54FD0DBA4}"/>
+                <a16:creationId xmlns:a16="http://schemas.microsoft.com/office/drawing/2014/main" id="{BD138BA6-2E50-40D5-BDA6-7201F7412611}"/>
               </a:ext>
             </a:extLst>
           </p:cNvPr>
@@ -20246,7 +20844,12 @@
             <p:ph type="body" idx="1"/>
           </p:nvPr>
         </p:nvSpPr>
-        <p:spPr/>
+        <p:spPr>
+          <a:xfrm>
+            <a:off x="838200" y="1349763"/>
+            <a:ext cx="10515600" cy="5143111"/>
+          </a:xfrm>
+        </p:spPr>
         <p:txBody>
           <a:bodyPr/>
           <a:lstStyle/>
@@ -20256,28 +20859,7 @@
             </a:pPr>
             <a:r>
               <a:rPr kumimoji="1" lang="ja-JP" altLang="en-US" dirty="0"/>
-              <a:t>・炎属性の敵に対して水属性の状態の剣で攻撃すると大ダメージを与えれる</a:t>
-            </a:r>
-            <a:r>
-              <a:rPr kumimoji="1" lang="en-US" altLang="ja-JP" dirty="0"/>
-              <a:t>(</a:t>
-            </a:r>
-            <a:r>
-              <a:rPr kumimoji="1" lang="ja-JP" altLang="en-US" dirty="0"/>
-              <a:t>弱点属性</a:t>
-            </a:r>
-            <a:r>
-              <a:rPr kumimoji="1" lang="en-US" altLang="ja-JP" dirty="0"/>
-              <a:t>)</a:t>
-            </a:r>
-          </a:p>
-          <a:p>
-            <a:pPr marL="114300" indent="0">
-              <a:buNone/>
-            </a:pPr>
-            <a:r>
-              <a:rPr kumimoji="1" lang="ja-JP" altLang="en-US" dirty="0"/>
-              <a:t>・氷の壁があり、炎属性の状態で攻撃して解かせる。それ以外の状態でも壊せるが時間がかかる。</a:t>
+              <a:t>最初は「炎、水、雷」の３属性を使おうと思います。</a:t>
             </a:r>
             <a:endParaRPr kumimoji="1" lang="en-US" altLang="ja-JP" dirty="0"/>
           </a:p>
@@ -20287,15 +20869,206 @@
             </a:pPr>
             <a:r>
               <a:rPr kumimoji="1" lang="ja-JP" altLang="en-US" dirty="0"/>
-              <a:t>・風属性の攻撃で対応するスイッチになっているオブジェクトを攻撃すると、風がでてジャンプ力が上がって障害物を越えれる。など</a:t>
-            </a:r>
+              <a:t>・炎</a:t>
+            </a:r>
+            <a:r>
+              <a:rPr kumimoji="1" lang="en-US" altLang="ja-JP" dirty="0"/>
+              <a:t>	</a:t>
+            </a:r>
+            <a:r>
+              <a:rPr kumimoji="1" lang="ja-JP" altLang="en-US" dirty="0"/>
+              <a:t>：</a:t>
+            </a:r>
+            <a:r>
+              <a:rPr kumimoji="1" lang="en-US" altLang="ja-JP" dirty="0"/>
+              <a:t>	</a:t>
+            </a:r>
+            <a:r>
+              <a:rPr kumimoji="1" lang="ja-JP" altLang="en-US" dirty="0"/>
+              <a:t>ギミック</a:t>
+            </a:r>
+            <a:r>
+              <a:rPr kumimoji="1" lang="en-US" altLang="ja-JP" dirty="0"/>
+              <a:t>	</a:t>
+            </a:r>
+            <a:r>
+              <a:rPr kumimoji="1" lang="ja-JP" altLang="en-US" dirty="0"/>
+              <a:t>：障害物の破壊</a:t>
+            </a:r>
+            <a:r>
+              <a:rPr kumimoji="1" lang="en-US" altLang="ja-JP" dirty="0"/>
+              <a:t>(</a:t>
+            </a:r>
+            <a:r>
+              <a:rPr kumimoji="1" lang="ja-JP" altLang="en-US" dirty="0"/>
+              <a:t>壊せる壁、ツタ</a:t>
+            </a:r>
+            <a:r>
+              <a:rPr kumimoji="1" lang="en-US" altLang="ja-JP" dirty="0"/>
+              <a:t>)</a:t>
+            </a:r>
+            <a:r>
+              <a:rPr kumimoji="1" lang="ja-JP" altLang="en-US" dirty="0"/>
+              <a:t>。導火線</a:t>
+            </a:r>
+            <a:endParaRPr kumimoji="1" lang="en-US" altLang="ja-JP" dirty="0"/>
+          </a:p>
+          <a:p>
+            <a:pPr marL="114300" indent="0">
+              <a:buNone/>
+            </a:pPr>
+            <a:r>
+              <a:rPr kumimoji="1" lang="en-US" altLang="ja-JP" dirty="0"/>
+              <a:t>		</a:t>
+            </a:r>
+            <a:r>
+              <a:rPr kumimoji="1" lang="ja-JP" altLang="en-US" dirty="0"/>
+              <a:t>戦闘</a:t>
+            </a:r>
+            <a:r>
+              <a:rPr kumimoji="1" lang="en-US" altLang="ja-JP" dirty="0"/>
+              <a:t>		</a:t>
+            </a:r>
+            <a:r>
+              <a:rPr kumimoji="1" lang="ja-JP" altLang="en-US" dirty="0"/>
+              <a:t>：敵への大ダメージ</a:t>
+            </a:r>
+            <a:endParaRPr kumimoji="1" lang="en-US" altLang="ja-JP" dirty="0"/>
+          </a:p>
+          <a:p>
+            <a:pPr marL="114300" indent="0">
+              <a:buNone/>
+            </a:pPr>
+            <a:r>
+              <a:rPr kumimoji="1" lang="ja-JP" altLang="en-US" dirty="0"/>
+              <a:t>・水：</a:t>
+            </a:r>
+            <a:r>
+              <a:rPr kumimoji="1" lang="en-US" altLang="ja-JP" dirty="0"/>
+              <a:t>	</a:t>
+            </a:r>
+            <a:r>
+              <a:rPr kumimoji="1" lang="ja-JP" altLang="en-US" dirty="0"/>
+              <a:t>ギミック</a:t>
+            </a:r>
+            <a:r>
+              <a:rPr kumimoji="1" lang="en-US" altLang="ja-JP" dirty="0"/>
+              <a:t>	</a:t>
+            </a:r>
+            <a:r>
+              <a:rPr kumimoji="1" lang="ja-JP" altLang="en-US" dirty="0"/>
+              <a:t>：ハザードの除去</a:t>
+            </a:r>
+            <a:r>
+              <a:rPr kumimoji="1" lang="en-US" altLang="ja-JP" dirty="0"/>
+              <a:t>(</a:t>
+            </a:r>
+            <a:r>
+              <a:rPr kumimoji="1" lang="ja-JP" altLang="en-US" dirty="0"/>
+              <a:t>炎の床、毒沼など</a:t>
+            </a:r>
+            <a:r>
+              <a:rPr kumimoji="1" lang="en-US" altLang="ja-JP" dirty="0"/>
+              <a:t>)</a:t>
+            </a:r>
+          </a:p>
+          <a:p>
+            <a:pPr marL="114300" indent="0">
+              <a:buNone/>
+            </a:pPr>
+            <a:r>
+              <a:rPr kumimoji="1" lang="en-US" altLang="ja-JP" dirty="0"/>
+              <a:t>		</a:t>
+            </a:r>
+            <a:r>
+              <a:rPr kumimoji="1" lang="ja-JP" altLang="en-US" dirty="0"/>
+              <a:t>戦闘</a:t>
+            </a:r>
+            <a:r>
+              <a:rPr kumimoji="1" lang="en-US" altLang="ja-JP" dirty="0"/>
+              <a:t>		</a:t>
+            </a:r>
+            <a:r>
+              <a:rPr kumimoji="1" lang="ja-JP" altLang="en-US" dirty="0"/>
+              <a:t>：炎上の敵の鎮火、スタン</a:t>
+            </a:r>
+            <a:endParaRPr kumimoji="1" lang="en-US" altLang="ja-JP" dirty="0"/>
+          </a:p>
+          <a:p>
+            <a:pPr marL="114300" indent="0">
+              <a:buNone/>
+            </a:pPr>
+            <a:r>
+              <a:rPr kumimoji="1" lang="ja-JP" altLang="en-US" dirty="0"/>
+              <a:t>・雷：</a:t>
+            </a:r>
+            <a:r>
+              <a:rPr kumimoji="1" lang="en-US" altLang="ja-JP" dirty="0"/>
+              <a:t>	</a:t>
+            </a:r>
+            <a:r>
+              <a:rPr kumimoji="1" lang="ja-JP" altLang="en-US" dirty="0"/>
+              <a:t>ギミック</a:t>
+            </a:r>
+            <a:r>
+              <a:rPr kumimoji="1" lang="en-US" altLang="ja-JP" dirty="0"/>
+              <a:t>	</a:t>
+            </a:r>
+            <a:r>
+              <a:rPr kumimoji="1" lang="ja-JP" altLang="en-US" dirty="0"/>
+              <a:t>：機械の起動</a:t>
+            </a:r>
+            <a:r>
+              <a:rPr kumimoji="1" lang="en-US" altLang="ja-JP" dirty="0"/>
+              <a:t>(</a:t>
+            </a:r>
+            <a:r>
+              <a:rPr kumimoji="1" lang="ja-JP" altLang="en-US" dirty="0"/>
+              <a:t>扉、エレベーターなど</a:t>
+            </a:r>
+            <a:r>
+              <a:rPr kumimoji="1" lang="en-US" altLang="ja-JP" dirty="0"/>
+              <a:t>)</a:t>
+            </a:r>
+          </a:p>
+          <a:p>
+            <a:pPr marL="114300" indent="0">
+              <a:buNone/>
+            </a:pPr>
+            <a:r>
+              <a:rPr kumimoji="1" lang="en-US" altLang="ja-JP" dirty="0"/>
+              <a:t>		</a:t>
+            </a:r>
+            <a:r>
+              <a:rPr kumimoji="1" lang="ja-JP" altLang="en-US" dirty="0"/>
+              <a:t>戦闘</a:t>
+            </a:r>
+            <a:r>
+              <a:rPr kumimoji="1" lang="en-US" altLang="ja-JP" dirty="0"/>
+              <a:t>		</a:t>
+            </a:r>
+            <a:r>
+              <a:rPr kumimoji="1" lang="ja-JP" altLang="en-US" dirty="0"/>
+              <a:t>：麻痺、範囲攻撃</a:t>
+            </a:r>
+            <a:endParaRPr kumimoji="1" lang="en-US" altLang="ja-JP" dirty="0"/>
+          </a:p>
+          <a:p>
+            <a:pPr marL="114300" indent="0">
+              <a:buNone/>
+            </a:pPr>
+            <a:r>
+              <a:rPr kumimoji="1" lang="ja-JP" altLang="en-US" dirty="0"/>
+              <a:t>・全属性：属性の絵がありその属性で攻撃すると壊れる壁や起動するスイッチ。</a:t>
+            </a:r>
+            <a:endParaRPr kumimoji="1" lang="en-US" altLang="ja-JP" dirty="0"/>
           </a:p>
         </p:txBody>
       </p:sp>
     </p:spTree>
     <p:extLst>
       <p:ext uri="{BB962C8B-B14F-4D97-AF65-F5344CB8AC3E}">
-        <p14:creationId xmlns:p14="http://schemas.microsoft.com/office/powerpoint/2010/main" val="3043104437"/>
+        <p14:creationId xmlns:p14="http://schemas.microsoft.com/office/powerpoint/2010/main" val="3382512464"/>
       </p:ext>
     </p:extLst>
   </p:cSld>

--- a/3年後期/企画/ゲーム企画書5_提出 .pptx
+++ b/3年後期/企画/ゲーム企画書5_提出 .pptx
@@ -21063,6 +21063,28 @@
             </a:r>
             <a:endParaRPr kumimoji="1" lang="en-US" altLang="ja-JP" dirty="0"/>
           </a:p>
+          <a:p>
+            <a:pPr marL="114300" indent="0">
+              <a:buNone/>
+            </a:pPr>
+            <a:r>
+              <a:rPr kumimoji="1" lang="en-US" altLang="ja-JP" dirty="0"/>
+              <a:t>※</a:t>
+            </a:r>
+            <a:r>
+              <a:rPr kumimoji="1" lang="ja-JP" altLang="en-US" dirty="0">
+                <a:solidFill>
+                  <a:srgbClr val="FF0000"/>
+                </a:solidFill>
+              </a:rPr>
+              <a:t>初めは炎をメインに作っていこうと思います。</a:t>
+            </a:r>
+            <a:endParaRPr kumimoji="1" lang="en-US" altLang="ja-JP" dirty="0">
+              <a:solidFill>
+                <a:srgbClr val="FF0000"/>
+              </a:solidFill>
+            </a:endParaRPr>
+          </a:p>
         </p:txBody>
       </p:sp>
     </p:spTree>

--- a/3年後期/企画/ゲーム企画書5_提出 .pptx
+++ b/3年後期/企画/ゲーム企画書5_提出 .pptx
@@ -15032,7 +15032,7 @@
         </p:spPr>
         <p:txBody>
           <a:bodyPr spcFirstLastPara="1" wrap="square" lIns="91425" tIns="45700" rIns="91425" bIns="45700" anchor="b" anchorCtr="0">
-            <a:normAutofit/>
+            <a:normAutofit fontScale="90000"/>
           </a:bodyPr>
           <a:lstStyle/>
           <a:p>
@@ -15052,6 +15052,27 @@
             <a:r>
               <a:rPr lang="en-US" altLang="ja-JP" dirty="0"/>
               <a:t>-</a:t>
+            </a:r>
+            <a:br>
+              <a:rPr lang="en-US" altLang="ja-JP" dirty="0"/>
+            </a:br>
+            <a:r>
+              <a:rPr lang="ja-JP" altLang="en-US" dirty="0"/>
+              <a:t>↓</a:t>
+            </a:r>
+            <a:br>
+              <a:rPr lang="en-US" altLang="ja-JP" dirty="0"/>
+            </a:br>
+            <a:r>
+              <a:rPr lang="ja-JP" altLang="en-US" dirty="0"/>
+              <a:t>生ける迷い路</a:t>
+            </a:r>
+            <a:br>
+              <a:rPr lang="en-US" altLang="ja-JP" dirty="0"/>
+            </a:br>
+            <a:r>
+              <a:rPr lang="ja-JP" altLang="en-US" dirty="0"/>
+              <a:t>（いけるまよいじ）</a:t>
             </a:r>
             <a:endParaRPr dirty="0"/>
           </a:p>
@@ -15147,7 +15168,7 @@
         </p:nvSpPr>
         <p:spPr>
           <a:xfrm>
-            <a:off x="3024555" y="2411604"/>
+            <a:off x="3346102" y="321547"/>
             <a:ext cx="902811" cy="307777"/>
           </a:xfrm>
           <a:prstGeom prst="rect">
